--- a/Xu et al., 2014.pptx
+++ b/Xu et al., 2014.pptx
@@ -19,6 +19,7 @@
     <p:sldId id="264" r:id="rId16"/>
     <p:sldId id="265" r:id="rId17"/>
     <p:sldId id="266" r:id="rId18"/>
+    <p:sldId id="267" r:id="rId19"/>
   </p:sldIdLst>
   <p:sldSz cx="13004800" cy="9753600"/>
   <p:notesSz cx="6858000" cy="9144000"/>
@@ -1964,19 +1965,9 @@
         </p:spPr>
         <p:txBody>
           <a:bodyPr/>
-          <a:lstStyle>
-            <a:lvl1pPr defTabSz="490727">
-              <a:defRPr sz="6719"/>
-            </a:lvl1pPr>
-          </a:lstStyle>
-          <a:p>
-            <a:pPr lvl="0">
-              <a:defRPr sz="1800"/>
-            </a:pPr>
-            <a:r>
-              <a:rPr sz="6719"/>
-              <a:t>Recombination rate vs insertion time</a:t>
-            </a:r>
+          <a:lstStyle/>
+          <a:p>
+            <a:pPr lvl="0"/>
           </a:p>
         </p:txBody>
       </p:sp>
@@ -1990,8 +1981,8 @@
         </p:nvSpPr>
         <p:spPr>
           <a:xfrm>
-            <a:off x="444500" y="2751335"/>
-            <a:ext cx="4577011" cy="6593980"/>
+            <a:off x="952500" y="2603500"/>
+            <a:ext cx="4852145" cy="6286500"/>
           </a:xfrm>
           <a:prstGeom prst="rect">
             <a:avLst/>
@@ -2006,7 +1997,7 @@
             </a:pPr>
             <a:r>
               <a:rPr sz="3600"/>
-              <a:t>Negative correlation between insertion time and recombination rate</a:t>
+              <a:t>Highlight the difference between tomato and other genomes</a:t>
             </a:r>
             <a:endParaRPr sz="3600"/>
           </a:p>
@@ -2016,14 +2007,14 @@
             </a:pPr>
             <a:r>
               <a:rPr sz="3600"/>
-              <a:t>Only for younger insertion times.</a:t>
+              <a:t>clearly shows that young LTR retros are enriched in euchromatin in tomato but NOT rice or soybean.</a:t>
             </a:r>
           </a:p>
         </p:txBody>
       </p:sp>
       <p:pic>
         <p:nvPicPr>
-          <p:cNvPr id="67" name="Table 3.tiff"/>
+          <p:cNvPr id="67" name="Fig. 4.tiff"/>
           <p:cNvPicPr/>
           <p:nvPr/>
         </p:nvPicPr>
@@ -2037,8 +2028,8 @@
         </p:blipFill>
         <p:spPr>
           <a:xfrm>
-            <a:off x="4954041" y="2607816"/>
-            <a:ext cx="7925966" cy="7199804"/>
+            <a:off x="6031543" y="976525"/>
+            <a:ext cx="6758314" cy="7996323"/>
           </a:xfrm>
           <a:prstGeom prst="rect">
             <a:avLst/>
@@ -2089,14 +2080,18 @@
         </p:spPr>
         <p:txBody>
           <a:bodyPr/>
-          <a:lstStyle/>
+          <a:lstStyle>
+            <a:lvl1pPr defTabSz="490727">
+              <a:defRPr sz="6719"/>
+            </a:lvl1pPr>
+          </a:lstStyle>
           <a:p>
             <a:pPr lvl="0">
               <a:defRPr sz="1800"/>
             </a:pPr>
             <a:r>
-              <a:rPr sz="8000"/>
-              <a:t>Conclusions</a:t>
+              <a:rPr sz="6719"/>
+              <a:t>Recombination rate vs insertion time</a:t>
             </a:r>
           </a:p>
         </p:txBody>
@@ -2104,6 +2099,127 @@
       <p:sp>
         <p:nvSpPr>
           <p:cNvPr id="70" name="Shape 70"/>
+          <p:cNvSpPr/>
+          <p:nvPr>
+            <p:ph type="body" idx="1"/>
+          </p:nvPr>
+        </p:nvSpPr>
+        <p:spPr>
+          <a:xfrm>
+            <a:off x="444500" y="2751335"/>
+            <a:ext cx="4577011" cy="6593980"/>
+          </a:xfrm>
+          <a:prstGeom prst="rect">
+            <a:avLst/>
+          </a:prstGeom>
+        </p:spPr>
+        <p:txBody>
+          <a:bodyPr/>
+          <a:lstStyle/>
+          <a:p>
+            <a:pPr lvl="0">
+              <a:defRPr sz="1800"/>
+            </a:pPr>
+            <a:r>
+              <a:rPr sz="3600"/>
+              <a:t>Negative correlation between insertion time and recombination rate</a:t>
+            </a:r>
+            <a:endParaRPr sz="3600"/>
+          </a:p>
+          <a:p>
+            <a:pPr lvl="0">
+              <a:defRPr sz="1800"/>
+            </a:pPr>
+            <a:r>
+              <a:rPr sz="3600"/>
+              <a:t>Only for younger insertion times.</a:t>
+            </a:r>
+          </a:p>
+        </p:txBody>
+      </p:sp>
+      <p:pic>
+        <p:nvPicPr>
+          <p:cNvPr id="71" name="Table 3.tiff"/>
+          <p:cNvPicPr/>
+          <p:nvPr/>
+        </p:nvPicPr>
+        <p:blipFill>
+          <a:blip r:embed="rId2">
+            <a:extLst/>
+          </a:blip>
+          <a:stretch>
+            <a:fillRect/>
+          </a:stretch>
+        </p:blipFill>
+        <p:spPr>
+          <a:xfrm>
+            <a:off x="4954041" y="2607816"/>
+            <a:ext cx="7925966" cy="7199804"/>
+          </a:xfrm>
+          <a:prstGeom prst="rect">
+            <a:avLst/>
+          </a:prstGeom>
+          <a:ln w="12700">
+            <a:miter lim="400000"/>
+          </a:ln>
+        </p:spPr>
+      </p:pic>
+    </p:spTree>
+  </p:cSld>
+  <p:clrMapOvr>
+    <a:masterClrMapping/>
+  </p:clrMapOvr>
+  <p:transition spd="med" advClick="1"/>
+</p:sld>
+</file>
+
+<file path=ppt/slides/slide12.xml><?xml version="1.0" encoding="utf-8"?>
+<p:sld xmlns:a="http://schemas.openxmlformats.org/drawingml/2006/main" xmlns:r="http://schemas.openxmlformats.org/officeDocument/2006/relationships" xmlns:p="http://schemas.openxmlformats.org/presentationml/2006/main" showMasterSp="1" showMasterPhAnim="1">
+  <p:cSld>
+    <p:spTree>
+      <p:nvGrpSpPr>
+        <p:cNvPr id="1" name=""/>
+        <p:cNvGrpSpPr/>
+        <p:nvPr/>
+      </p:nvGrpSpPr>
+      <p:grpSpPr>
+        <a:xfrm>
+          <a:off x="0" y="0"/>
+          <a:ext cx="0" cy="0"/>
+          <a:chOff x="0" y="0"/>
+          <a:chExt cx="0" cy="0"/>
+        </a:xfrm>
+      </p:grpSpPr>
+      <p:sp>
+        <p:nvSpPr>
+          <p:cNvPr id="73" name="Shape 73"/>
+          <p:cNvSpPr/>
+          <p:nvPr>
+            <p:ph type="title"/>
+          </p:nvPr>
+        </p:nvSpPr>
+        <p:spPr>
+          <a:prstGeom prst="rect">
+            <a:avLst/>
+          </a:prstGeom>
+        </p:spPr>
+        <p:txBody>
+          <a:bodyPr/>
+          <a:lstStyle/>
+          <a:p>
+            <a:pPr lvl="0">
+              <a:defRPr sz="1800"/>
+            </a:pPr>
+            <a:r>
+              <a:rPr sz="8000"/>
+              <a:t>Conclusions</a:t>
+            </a:r>
+          </a:p>
+        </p:txBody>
+      </p:sp>
+      <p:sp>
+        <p:nvSpPr>
+          <p:cNvPr id="74" name="Shape 74"/>
           <p:cNvSpPr/>
           <p:nvPr>
             <p:ph type="body" idx="1"/>
@@ -2191,13 +2307,7 @@
           <a:bodyPr/>
           <a:lstStyle/>
           <a:p>
-            <a:pPr lvl="0">
-              <a:defRPr sz="1800"/>
-            </a:pPr>
-            <a:r>
-              <a:rPr sz="8000"/>
-              <a:t>Brief summary</a:t>
-            </a:r>
+            <a:pPr lvl="0"/>
           </a:p>
         </p:txBody>
       </p:sp>
@@ -2210,6 +2320,10 @@
           </p:nvPr>
         </p:nvSpPr>
         <p:spPr>
+          <a:xfrm>
+            <a:off x="952500" y="6049863"/>
+            <a:ext cx="11099800" cy="2840137"/>
+          </a:xfrm>
           <a:prstGeom prst="rect">
             <a:avLst/>
           </a:prstGeom>
@@ -2223,49 +2337,48 @@
             </a:pPr>
             <a:r>
               <a:rPr sz="3600"/>
-              <a:t>Comparison of the distribution and age estimates of LTR retrotransposons in the genome of tomato (</a:t>
-            </a:r>
-            <a:r>
-              <a:rPr i="1" sz="3600"/>
-              <a:t>Solanum lycopersicum</a:t>
-            </a:r>
+              <a:t>Can the authors convince you that selection is at play?</a:t>
+            </a:r>
+            <a:endParaRPr sz="3600"/>
+          </a:p>
+          <a:p>
+            <a:pPr lvl="0">
+              <a:defRPr sz="1800"/>
+            </a:pPr>
             <a:r>
               <a:rPr sz="3600"/>
-              <a:t>). </a:t>
-            </a:r>
-            <a:endParaRPr sz="3600"/>
-          </a:p>
-          <a:p>
-            <a:pPr lvl="0">
-              <a:defRPr sz="1800"/>
-            </a:pPr>
-            <a:r>
-              <a:rPr sz="3600"/>
-              <a:t>Young elements tend to reside in euchromatin.</a:t>
-            </a:r>
-            <a:endParaRPr sz="3600"/>
-          </a:p>
-          <a:p>
-            <a:pPr lvl="0">
-              <a:defRPr sz="1800"/>
-            </a:pPr>
-            <a:r>
-              <a:rPr sz="3600"/>
-              <a:t>Older elements tend to accumulate in heterochromatin.</a:t>
-            </a:r>
-            <a:endParaRPr sz="3600"/>
-          </a:p>
-          <a:p>
-            <a:pPr lvl="0">
-              <a:defRPr sz="1800"/>
-            </a:pPr>
-            <a:r>
-              <a:rPr sz="3600"/>
-              <a:t>Age is negatively correlated with local recombination rate.</a:t>
+              <a:t>Are the right that LTR retros are “preferentially”located in euchromatin</a:t>
             </a:r>
           </a:p>
         </p:txBody>
       </p:sp>
+      <p:pic>
+        <p:nvPicPr>
+          <p:cNvPr id="38" name="Abstract.tiff"/>
+          <p:cNvPicPr/>
+          <p:nvPr/>
+        </p:nvPicPr>
+        <p:blipFill>
+          <a:blip r:embed="rId2">
+            <a:extLst/>
+          </a:blip>
+          <a:stretch>
+            <a:fillRect/>
+          </a:stretch>
+        </p:blipFill>
+        <p:spPr>
+          <a:xfrm>
+            <a:off x="1318965" y="514399"/>
+            <a:ext cx="9858870" cy="5268266"/>
+          </a:xfrm>
+          <a:prstGeom prst="rect">
+            <a:avLst/>
+          </a:prstGeom>
+          <a:ln w="12700">
+            <a:miter lim="400000"/>
+          </a:ln>
+        </p:spPr>
+      </p:pic>
     </p:spTree>
   </p:cSld>
   <p:clrMapOvr>
@@ -2294,7 +2407,7 @@
       </p:grpSpPr>
       <p:sp>
         <p:nvSpPr>
-          <p:cNvPr id="39" name="Shape 39"/>
+          <p:cNvPr id="40" name="Shape 40"/>
           <p:cNvSpPr/>
           <p:nvPr>
             <p:ph type="title"/>
@@ -2321,7 +2434,7 @@
       </p:sp>
       <p:sp>
         <p:nvSpPr>
-          <p:cNvPr id="40" name="Shape 40"/>
+          <p:cNvPr id="41" name="Shape 41"/>
           <p:cNvSpPr/>
           <p:nvPr>
             <p:ph type="body" idx="1"/>
@@ -2341,37 +2454,45 @@
             </a:pPr>
             <a:r>
               <a:rPr sz="3600"/>
-              <a:t>Tomato is a good model for investigating these dynamics because..</a:t>
+              <a:t>Comparison of the distribution and age estimates of LTR retrotransposons in the genome of tomato (</a:t>
+            </a:r>
+            <a:r>
+              <a:rPr i="1" sz="3600"/>
+              <a:t>Solanum lycopersicum</a:t>
+            </a:r>
+            <a:r>
+              <a:rPr sz="3600"/>
+              <a:t>). </a:t>
             </a:r>
             <a:endParaRPr sz="3600"/>
           </a:p>
           <a:p>
-            <a:pPr lvl="1">
+            <a:pPr lvl="0">
               <a:defRPr sz="1800"/>
             </a:pPr>
             <a:r>
               <a:rPr sz="3600"/>
-              <a:t>(i) high-quality genome, which facilitates the annotation of LTR retrotransposons; </a:t>
+              <a:t>Young elements tend to reside in euchromatin.</a:t>
             </a:r>
             <a:endParaRPr sz="3600"/>
           </a:p>
           <a:p>
-            <a:pPr lvl="1">
+            <a:pPr lvl="0">
               <a:defRPr sz="1800"/>
             </a:pPr>
             <a:r>
               <a:rPr sz="3600"/>
-              <a:t>(ii) large proportion of the genome is heterochromatic (~80%).</a:t>
+              <a:t>Older elements tend to accumulate in heterochromatin.</a:t>
             </a:r>
             <a:endParaRPr sz="3600"/>
           </a:p>
           <a:p>
-            <a:pPr lvl="1">
+            <a:pPr lvl="0">
               <a:defRPr sz="1800"/>
             </a:pPr>
             <a:r>
               <a:rPr sz="3600"/>
-              <a:t>(iii) A fine-scale genetic map is available.</a:t>
+              <a:t>Age is negatively correlated with local recombination rate.</a:t>
             </a:r>
           </a:p>
         </p:txBody>
@@ -2404,7 +2525,7 @@
       </p:grpSpPr>
       <p:sp>
         <p:nvSpPr>
-          <p:cNvPr id="42" name="Shape 42"/>
+          <p:cNvPr id="43" name="Shape 43"/>
           <p:cNvSpPr/>
           <p:nvPr>
             <p:ph type="title"/>
@@ -2424,14 +2545,14 @@
             </a:pPr>
             <a:r>
               <a:rPr sz="8000"/>
-              <a:t>Identified LTR retros</a:t>
+              <a:t>Brief summary</a:t>
             </a:r>
           </a:p>
         </p:txBody>
       </p:sp>
       <p:sp>
         <p:nvSpPr>
-          <p:cNvPr id="43" name="Shape 43"/>
+          <p:cNvPr id="44" name="Shape 44"/>
           <p:cNvSpPr/>
           <p:nvPr>
             <p:ph type="body" idx="1"/>
@@ -2451,27 +2572,37 @@
             </a:pPr>
             <a:r>
               <a:rPr sz="3600"/>
-              <a:t>Used LTR_STRUC and LTR sequences were used a queries in a CROSS_MATCH analysis. </a:t>
+              <a:t>Tomato is a good model for investigating these dynamics because..</a:t>
             </a:r>
             <a:endParaRPr sz="3600"/>
           </a:p>
           <a:p>
-            <a:pPr lvl="0">
+            <a:pPr lvl="1">
               <a:defRPr sz="1800"/>
             </a:pPr>
             <a:r>
               <a:rPr sz="3600"/>
-              <a:t>Identified &gt;15,000 elements: “Each element was manually inspected to avoid incorrect annotation from the program”.</a:t>
+              <a:t>(i) high-quality genome, which facilitates the annotation of LTR retrotransposons; </a:t>
             </a:r>
             <a:endParaRPr sz="3600"/>
           </a:p>
           <a:p>
-            <a:pPr lvl="0">
+            <a:pPr lvl="1">
               <a:defRPr sz="1800"/>
             </a:pPr>
             <a:r>
               <a:rPr sz="3600"/>
-              <a:t>Recombination rate was estimated by comparing physical and genetic based maps (&gt;2000 markers).</a:t>
+              <a:t>(ii) large proportion of the genome is heterochromatic (~80%).</a:t>
+            </a:r>
+            <a:endParaRPr sz="3600"/>
+          </a:p>
+          <a:p>
+            <a:pPr lvl="1">
+              <a:defRPr sz="1800"/>
+            </a:pPr>
+            <a:r>
+              <a:rPr sz="3600"/>
+              <a:t>(iii) A fine-scale genetic map is available.</a:t>
             </a:r>
           </a:p>
         </p:txBody>
@@ -2504,7 +2635,7 @@
       </p:grpSpPr>
       <p:sp>
         <p:nvSpPr>
-          <p:cNvPr id="45" name="Shape 45"/>
+          <p:cNvPr id="46" name="Shape 46"/>
           <p:cNvSpPr/>
           <p:nvPr>
             <p:ph type="title"/>
@@ -2517,35 +2648,27 @@
         </p:spPr>
         <p:txBody>
           <a:bodyPr/>
-          <a:lstStyle>
-            <a:lvl1pPr defTabSz="490727">
-              <a:defRPr sz="6719"/>
-            </a:lvl1pPr>
-          </a:lstStyle>
+          <a:lstStyle/>
           <a:p>
             <a:pPr lvl="0">
               <a:defRPr sz="1800"/>
             </a:pPr>
             <a:r>
-              <a:rPr sz="6719"/>
-              <a:t>Distribution of LTR retros vs recombination rate</a:t>
+              <a:rPr sz="8000"/>
+              <a:t>Identified LTR retros</a:t>
             </a:r>
           </a:p>
         </p:txBody>
       </p:sp>
       <p:sp>
         <p:nvSpPr>
-          <p:cNvPr id="46" name="Shape 46"/>
+          <p:cNvPr id="47" name="Shape 47"/>
           <p:cNvSpPr/>
           <p:nvPr>
             <p:ph type="body" idx="1"/>
           </p:nvPr>
         </p:nvSpPr>
         <p:spPr>
-          <a:xfrm>
-            <a:off x="952500" y="2603500"/>
-            <a:ext cx="3335884" cy="6286500"/>
-          </a:xfrm>
           <a:prstGeom prst="rect">
             <a:avLst/>
           </a:prstGeom>
@@ -2554,73 +2677,36 @@
           <a:bodyPr/>
           <a:lstStyle/>
           <a:p>
-            <a:pPr lvl="0" marL="408940" indent="-408940" defTabSz="537463">
-              <a:spcBef>
-                <a:spcPts val="3800"/>
-              </a:spcBef>
-              <a:defRPr sz="1800"/>
-            </a:pPr>
-            <a:r>
-              <a:rPr sz="3312"/>
-              <a:t>Used 1 Mbp windows</a:t>
-            </a:r>
-            <a:endParaRPr sz="3312"/>
-          </a:p>
-          <a:p>
-            <a:pPr lvl="0" marL="408940" indent="-408940" defTabSz="537463">
-              <a:spcBef>
-                <a:spcPts val="3800"/>
-              </a:spcBef>
-              <a:defRPr sz="1800"/>
-            </a:pPr>
-            <a:r>
-              <a:rPr sz="3312"/>
-              <a:t>Estimated LTR copy number</a:t>
-            </a:r>
-            <a:endParaRPr sz="3312"/>
-          </a:p>
-          <a:p>
-            <a:pPr lvl="0" marL="408940" indent="-408940" defTabSz="537463">
-              <a:spcBef>
-                <a:spcPts val="3800"/>
-              </a:spcBef>
-              <a:defRPr sz="1800"/>
-            </a:pPr>
-            <a:r>
-              <a:rPr sz="3312"/>
-              <a:t>Copy-number lower in regions of high recombination.</a:t>
+            <a:pPr lvl="0">
+              <a:defRPr sz="1800"/>
+            </a:pPr>
+            <a:r>
+              <a:rPr sz="3600"/>
+              <a:t>Used LTR_STRUC and LTR sequences were used a queries in a CROSS_MATCH analysis. </a:t>
+            </a:r>
+            <a:endParaRPr sz="3600"/>
+          </a:p>
+          <a:p>
+            <a:pPr lvl="0">
+              <a:defRPr sz="1800"/>
+            </a:pPr>
+            <a:r>
+              <a:rPr sz="3600"/>
+              <a:t>Identified &gt;15,000 elements: “Each element was manually inspected to avoid incorrect annotation from the program”.</a:t>
+            </a:r>
+            <a:endParaRPr sz="3600"/>
+          </a:p>
+          <a:p>
+            <a:pPr lvl="0">
+              <a:defRPr sz="1800"/>
+            </a:pPr>
+            <a:r>
+              <a:rPr sz="3600"/>
+              <a:t>Recombination rate was estimated by comparing physical and genetic based maps (&gt;2000 markers).</a:t>
             </a:r>
           </a:p>
         </p:txBody>
       </p:sp>
-      <p:pic>
-        <p:nvPicPr>
-          <p:cNvPr id="47" name="Fig. 1.tiff"/>
-          <p:cNvPicPr/>
-          <p:nvPr/>
-        </p:nvPicPr>
-        <p:blipFill>
-          <a:blip r:embed="rId2">
-            <a:extLst/>
-          </a:blip>
-          <a:srcRect l="33729" t="3475" r="374" b="543"/>
-          <a:stretch>
-            <a:fillRect/>
-          </a:stretch>
-        </p:blipFill>
-        <p:spPr>
-          <a:xfrm>
-            <a:off x="4561855" y="3177827"/>
-            <a:ext cx="8285064" cy="4839296"/>
-          </a:xfrm>
-          <a:prstGeom prst="rect">
-            <a:avLst/>
-          </a:prstGeom>
-          <a:ln w="12700">
-            <a:miter lim="400000"/>
-          </a:ln>
-        </p:spPr>
-      </p:pic>
     </p:spTree>
   </p:cSld>
   <p:clrMapOvr>
@@ -2673,7 +2759,7 @@
             </a:pPr>
             <a:r>
               <a:rPr sz="6719"/>
-              <a:t>LTR retros vs recombination rate</a:t>
+              <a:t>Distribution of LTR retros vs recombination rate</a:t>
             </a:r>
           </a:p>
         </p:txBody>
@@ -2688,8 +2774,8 @@
         </p:nvSpPr>
         <p:spPr>
           <a:xfrm>
-            <a:off x="952500" y="6637982"/>
-            <a:ext cx="11099800" cy="2252018"/>
+            <a:off x="952500" y="2603500"/>
+            <a:ext cx="3335884" cy="6286500"/>
           </a:xfrm>
           <a:prstGeom prst="rect">
             <a:avLst/>
@@ -2699,35 +2785,48 @@
           <a:bodyPr/>
           <a:lstStyle/>
           <a:p>
-            <a:pPr lvl="0" marL="440055" indent="-440055" defTabSz="578358">
+            <a:pPr lvl="0" marL="408940" indent="-408940" defTabSz="537463">
               <a:spcBef>
-                <a:spcPts val="4100"/>
+                <a:spcPts val="3800"/>
               </a:spcBef>
               <a:defRPr sz="1800"/>
             </a:pPr>
             <a:r>
-              <a:rPr sz="3564"/>
-              <a:t>Important to note that the age estimates of intact elements are different in eu- vs heterochromatin.</a:t>
-            </a:r>
-            <a:endParaRPr sz="3564"/>
-          </a:p>
-          <a:p>
-            <a:pPr lvl="0" marL="440055" indent="-440055" defTabSz="578358">
+              <a:rPr sz="3312"/>
+              <a:t>Used 1 Mbp windows</a:t>
+            </a:r>
+            <a:endParaRPr sz="3312"/>
+          </a:p>
+          <a:p>
+            <a:pPr lvl="0" marL="408940" indent="-408940" defTabSz="537463">
               <a:spcBef>
-                <a:spcPts val="4100"/>
+                <a:spcPts val="3800"/>
               </a:spcBef>
               <a:defRPr sz="1800"/>
             </a:pPr>
             <a:r>
-              <a:rPr sz="3564"/>
-              <a:t>Is this number a mean? why no SD/SE?</a:t>
+              <a:rPr sz="3312"/>
+              <a:t>Estimated LTR copy number</a:t>
+            </a:r>
+            <a:endParaRPr sz="3312"/>
+          </a:p>
+          <a:p>
+            <a:pPr lvl="0" marL="408940" indent="-408940" defTabSz="537463">
+              <a:spcBef>
+                <a:spcPts val="3800"/>
+              </a:spcBef>
+              <a:defRPr sz="1800"/>
+            </a:pPr>
+            <a:r>
+              <a:rPr sz="3312"/>
+              <a:t>Copy-number lower in regions of high recombination.</a:t>
             </a:r>
           </a:p>
         </p:txBody>
       </p:sp>
       <p:pic>
         <p:nvPicPr>
-          <p:cNvPr id="51" name="Table 2.tiff"/>
+          <p:cNvPr id="51" name="Fig. 1.tiff"/>
           <p:cNvPicPr/>
           <p:nvPr/>
         </p:nvPicPr>
@@ -2735,14 +2834,15 @@
           <a:blip r:embed="rId2">
             <a:extLst/>
           </a:blip>
+          <a:srcRect l="33729" t="3475" r="374" b="543"/>
           <a:stretch>
             <a:fillRect/>
           </a:stretch>
         </p:blipFill>
         <p:spPr>
           <a:xfrm>
-            <a:off x="123527" y="2826940"/>
-            <a:ext cx="12344401" cy="3759201"/>
+            <a:off x="4561855" y="3177827"/>
+            <a:ext cx="8285064" cy="4839297"/>
           </a:xfrm>
           <a:prstGeom prst="rect">
             <a:avLst/>
@@ -2804,7 +2904,7 @@
             </a:pPr>
             <a:r>
               <a:rPr sz="6719"/>
-              <a:t>LTR retros: genomic distribution</a:t>
+              <a:t>LTR retros vs recombination rate</a:t>
             </a:r>
           </a:p>
         </p:txBody>
@@ -2819,8 +2919,8 @@
         </p:nvSpPr>
         <p:spPr>
           <a:xfrm>
-            <a:off x="952500" y="6457453"/>
-            <a:ext cx="11099800" cy="2432547"/>
+            <a:off x="952500" y="6637982"/>
+            <a:ext cx="11099800" cy="2252018"/>
           </a:xfrm>
           <a:prstGeom prst="rect">
             <a:avLst/>
@@ -2830,35 +2930,35 @@
           <a:bodyPr/>
           <a:lstStyle/>
           <a:p>
-            <a:pPr lvl="0" marL="377825" indent="-377825" defTabSz="496570">
+            <a:pPr lvl="0" marL="440055" indent="-440055" defTabSz="578358">
               <a:spcBef>
-                <a:spcPts val="3500"/>
+                <a:spcPts val="4100"/>
               </a:spcBef>
               <a:defRPr sz="1800"/>
             </a:pPr>
             <a:r>
-              <a:rPr sz="3060"/>
-              <a:t>Authors claim that truncated retros ~ removal via IR, whereas solo LTR ~ removal by UR.</a:t>
-            </a:r>
-            <a:endParaRPr sz="3060"/>
-          </a:p>
-          <a:p>
-            <a:pPr lvl="0" marL="377825" indent="-377825" defTabSz="496570">
+              <a:rPr sz="3564"/>
+              <a:t>Important to note that the age estimates of intact elements are different in eu- vs heterochromatin.</a:t>
+            </a:r>
+            <a:endParaRPr sz="3564"/>
+          </a:p>
+          <a:p>
+            <a:pPr lvl="0" marL="440055" indent="-440055" defTabSz="578358">
               <a:spcBef>
-                <a:spcPts val="3500"/>
+                <a:spcPts val="4100"/>
               </a:spcBef>
               <a:defRPr sz="1800"/>
             </a:pPr>
             <a:r>
-              <a:rPr sz="3060"/>
-              <a:t>Yet later they claim that most removal is by UR?? So solo LTRs must dominate.</a:t>
+              <a:rPr sz="3564"/>
+              <a:t>Is this number a mean? why no SD/SE?</a:t>
             </a:r>
           </a:p>
         </p:txBody>
       </p:sp>
       <p:pic>
         <p:nvPicPr>
-          <p:cNvPr id="55" name="Fig. 2.tiff"/>
+          <p:cNvPr id="55" name="Table 2.tiff"/>
           <p:cNvPicPr/>
           <p:nvPr/>
         </p:nvPicPr>
@@ -2866,15 +2966,14 @@
           <a:blip r:embed="rId2">
             <a:extLst/>
           </a:blip>
-          <a:srcRect l="15579" t="7017" r="16980" b="28651"/>
           <a:stretch>
             <a:fillRect/>
           </a:stretch>
         </p:blipFill>
         <p:spPr>
           <a:xfrm>
-            <a:off x="1730027" y="2659111"/>
-            <a:ext cx="8753327" cy="3521275"/>
+            <a:off x="123527" y="2826940"/>
+            <a:ext cx="12344401" cy="3759201"/>
           </a:xfrm>
           <a:prstGeom prst="rect">
             <a:avLst/>
@@ -2936,7 +3035,7 @@
             </a:pPr>
             <a:r>
               <a:rPr sz="6719"/>
-              <a:t>Recent LTR insertions localize to euchromatin</a:t>
+              <a:t>LTR retros: genomic distribution</a:t>
             </a:r>
           </a:p>
         </p:txBody>
@@ -2951,8 +3050,8 @@
         </p:nvSpPr>
         <p:spPr>
           <a:xfrm>
-            <a:off x="546100" y="2603500"/>
-            <a:ext cx="4957862" cy="6286500"/>
+            <a:off x="952500" y="6457453"/>
+            <a:ext cx="11099800" cy="2432547"/>
           </a:xfrm>
           <a:prstGeom prst="rect">
             <a:avLst/>
@@ -2962,39 +3061,35 @@
           <a:bodyPr/>
           <a:lstStyle/>
           <a:p>
-            <a:pPr lvl="0">
-              <a:defRPr sz="1800"/>
-            </a:pPr>
-            <a:r>
-              <a:rPr sz="3600"/>
-              <a:t>Younger retros appear to be located in euchromatin</a:t>
-            </a:r>
-            <a:endParaRPr sz="3600"/>
-          </a:p>
-          <a:p>
-            <a:pPr lvl="0">
-              <a:defRPr sz="1800"/>
-            </a:pPr>
-            <a:r>
-              <a:rPr sz="3600"/>
-              <a:t>Older insertions are more or less absent in euchromatin</a:t>
-            </a:r>
-            <a:endParaRPr sz="3600"/>
-          </a:p>
-          <a:p>
-            <a:pPr lvl="0">
-              <a:defRPr sz="1800"/>
-            </a:pPr>
-            <a:r>
-              <a:rPr sz="3600"/>
-              <a:t>Authors tested this using a T-test??</a:t>
+            <a:pPr lvl="0" marL="377825" indent="-377825" defTabSz="496570">
+              <a:spcBef>
+                <a:spcPts val="3500"/>
+              </a:spcBef>
+              <a:defRPr sz="1800"/>
+            </a:pPr>
+            <a:r>
+              <a:rPr sz="3060"/>
+              <a:t>Authors claim that truncated retros ~ removal via IR, whereas solo LTR ~ removal by UR.</a:t>
+            </a:r>
+            <a:endParaRPr sz="3060"/>
+          </a:p>
+          <a:p>
+            <a:pPr lvl="0" marL="377825" indent="-377825" defTabSz="496570">
+              <a:spcBef>
+                <a:spcPts val="3500"/>
+              </a:spcBef>
+              <a:defRPr sz="1800"/>
+            </a:pPr>
+            <a:r>
+              <a:rPr sz="3060"/>
+              <a:t>Yet later they claim that most removal is by UR?? So solo LTRs must dominate.</a:t>
             </a:r>
           </a:p>
         </p:txBody>
       </p:sp>
       <p:pic>
         <p:nvPicPr>
-          <p:cNvPr id="59" name="Fig. 3.tiff"/>
+          <p:cNvPr id="59" name="Fig. 2.tiff"/>
           <p:cNvPicPr/>
           <p:nvPr/>
         </p:nvPicPr>
@@ -3002,14 +3097,15 @@
           <a:blip r:embed="rId2">
             <a:extLst/>
           </a:blip>
+          <a:srcRect l="15579" t="7017" r="16980" b="28651"/>
           <a:stretch>
             <a:fillRect/>
           </a:stretch>
         </p:blipFill>
         <p:spPr>
           <a:xfrm>
-            <a:off x="5979120" y="3162230"/>
-            <a:ext cx="6712146" cy="5448440"/>
+            <a:off x="1730027" y="2659111"/>
+            <a:ext cx="8753327" cy="3521275"/>
           </a:xfrm>
           <a:prstGeom prst="rect">
             <a:avLst/>
@@ -3060,9 +3156,19 @@
         </p:spPr>
         <p:txBody>
           <a:bodyPr/>
-          <a:lstStyle/>
-          <a:p>
-            <a:pPr lvl="0"/>
+          <a:lstStyle>
+            <a:lvl1pPr defTabSz="490727">
+              <a:defRPr sz="6719"/>
+            </a:lvl1pPr>
+          </a:lstStyle>
+          <a:p>
+            <a:pPr lvl="0">
+              <a:defRPr sz="1800"/>
+            </a:pPr>
+            <a:r>
+              <a:rPr sz="6719"/>
+              <a:t>Recent LTR insertions localize to euchromatin</a:t>
+            </a:r>
           </a:p>
         </p:txBody>
       </p:sp>
@@ -3076,8 +3182,8 @@
         </p:nvSpPr>
         <p:spPr>
           <a:xfrm>
-            <a:off x="952500" y="2603500"/>
-            <a:ext cx="4852145" cy="6286500"/>
+            <a:off x="546100" y="2603500"/>
+            <a:ext cx="4957862" cy="6286500"/>
           </a:xfrm>
           <a:prstGeom prst="rect">
             <a:avLst/>
@@ -3092,7 +3198,7 @@
             </a:pPr>
             <a:r>
               <a:rPr sz="3600"/>
-              <a:t>Highlight the difference between tomato and other genomes</a:t>
+              <a:t>Younger retros appear to be located in euchromatin</a:t>
             </a:r>
             <a:endParaRPr sz="3600"/>
           </a:p>
@@ -3102,14 +3208,24 @@
             </a:pPr>
             <a:r>
               <a:rPr sz="3600"/>
-              <a:t>clearly shows that young LTR retros are enriched in euchromatin in tomato but NOT rice or soybean.</a:t>
+              <a:t>Older insertions are more or less absent in euchromatin</a:t>
+            </a:r>
+            <a:endParaRPr sz="3600"/>
+          </a:p>
+          <a:p>
+            <a:pPr lvl="0">
+              <a:defRPr sz="1800"/>
+            </a:pPr>
+            <a:r>
+              <a:rPr sz="3600"/>
+              <a:t>Authors tested this using a T-test??</a:t>
             </a:r>
           </a:p>
         </p:txBody>
       </p:sp>
       <p:pic>
         <p:nvPicPr>
-          <p:cNvPr id="63" name="Fig. 4.tiff"/>
+          <p:cNvPr id="63" name="Fig. 3.tiff"/>
           <p:cNvPicPr/>
           <p:nvPr/>
         </p:nvPicPr>
@@ -3123,8 +3239,8 @@
         </p:blipFill>
         <p:spPr>
           <a:xfrm>
-            <a:off x="6031543" y="976525"/>
-            <a:ext cx="6758314" cy="7996323"/>
+            <a:off x="5979120" y="3162230"/>
+            <a:ext cx="6712146" cy="5448440"/>
           </a:xfrm>
           <a:prstGeom prst="rect">
             <a:avLst/>
